--- a/slide/hunglv_BaoCaoTienDo_ver1.pptx
+++ b/slide/hunglv_BaoCaoTienDo_ver1.pptx
@@ -224,7 +224,7 @@
           <a:p>
             <a:fld id="{50921D2B-95B4-41CC-9D4E-AFEC4AED8B55}" type="datetimeFigureOut">
               <a:rPr lang="en-US" smtClean="0"/>
-              <a:t>10/11/2016</a:t>
+              <a:t>10/13/2016</a:t>
             </a:fld>
             <a:endParaRPr lang="en-US"/>
           </a:p>
@@ -1975,7 +1975,7 @@
           <a:p>
             <a:fld id="{A05D58AE-80B4-44E2-A085-202CD7A91CD1}" type="datetime1">
               <a:rPr lang="en-US" smtClean="0"/>
-              <a:t>10/11/2016</a:t>
+              <a:t>10/13/2016</a:t>
             </a:fld>
             <a:endParaRPr lang="en-US"/>
           </a:p>
@@ -2145,7 +2145,7 @@
           <a:p>
             <a:fld id="{8E088727-75AF-4821-99D9-14BA7C06A006}" type="datetime1">
               <a:rPr lang="en-US" smtClean="0"/>
-              <a:t>10/11/2016</a:t>
+              <a:t>10/13/2016</a:t>
             </a:fld>
             <a:endParaRPr lang="en-US"/>
           </a:p>
@@ -2325,7 +2325,7 @@
           <a:p>
             <a:fld id="{2B845237-19A0-4C03-8631-CACE1A4F4461}" type="datetime1">
               <a:rPr lang="en-US" smtClean="0"/>
-              <a:t>10/11/2016</a:t>
+              <a:t>10/13/2016</a:t>
             </a:fld>
             <a:endParaRPr lang="en-US"/>
           </a:p>
@@ -2495,7 +2495,7 @@
           <a:p>
             <a:fld id="{CCA75556-26E1-4827-94BB-6319ECF94831}" type="datetime1">
               <a:rPr lang="en-US" smtClean="0"/>
-              <a:t>10/11/2016</a:t>
+              <a:t>10/13/2016</a:t>
             </a:fld>
             <a:endParaRPr lang="en-US"/>
           </a:p>
@@ -2778,7 +2778,7 @@
           <a:p>
             <a:fld id="{7FA1A5BB-F484-4136-8A63-ED1B792EDCD2}" type="datetime1">
               <a:rPr lang="en-US" smtClean="0"/>
-              <a:t>10/11/2016</a:t>
+              <a:t>10/13/2016</a:t>
             </a:fld>
             <a:endParaRPr lang="en-US"/>
           </a:p>
@@ -3017,7 +3017,7 @@
           <a:p>
             <a:fld id="{980ACF98-5EDF-491F-93DC-B5B36A4F5FE5}" type="datetime1">
               <a:rPr lang="en-US" smtClean="0"/>
-              <a:t>10/11/2016</a:t>
+              <a:t>10/13/2016</a:t>
             </a:fld>
             <a:endParaRPr lang="en-US"/>
           </a:p>
@@ -3384,7 +3384,7 @@
           <a:p>
             <a:fld id="{7D74AA13-27DB-467E-9705-FCC4424891EF}" type="datetime1">
               <a:rPr lang="en-US" smtClean="0"/>
-              <a:t>10/11/2016</a:t>
+              <a:t>10/13/2016</a:t>
             </a:fld>
             <a:endParaRPr lang="en-US"/>
           </a:p>
@@ -3502,7 +3502,7 @@
           <a:p>
             <a:fld id="{28DE6D93-7CA7-4548-98DF-FEFFD7346890}" type="datetime1">
               <a:rPr lang="en-US" smtClean="0"/>
-              <a:t>10/11/2016</a:t>
+              <a:t>10/13/2016</a:t>
             </a:fld>
             <a:endParaRPr lang="en-US"/>
           </a:p>
@@ -3597,7 +3597,7 @@
           <a:p>
             <a:fld id="{1EDD7B00-446F-42BC-8476-88E019D6479F}" type="datetime1">
               <a:rPr lang="en-US" smtClean="0"/>
-              <a:t>10/11/2016</a:t>
+              <a:t>10/13/2016</a:t>
             </a:fld>
             <a:endParaRPr lang="en-US"/>
           </a:p>
@@ -3874,7 +3874,7 @@
           <a:p>
             <a:fld id="{F97C4F3F-AD84-4C31-BAB2-1B02B35FD832}" type="datetime1">
               <a:rPr lang="en-US" smtClean="0"/>
-              <a:t>10/11/2016</a:t>
+              <a:t>10/13/2016</a:t>
             </a:fld>
             <a:endParaRPr lang="en-US"/>
           </a:p>
@@ -4127,7 +4127,7 @@
           <a:p>
             <a:fld id="{34EB36EC-CC41-4ABD-8CFD-F8B7AA5C8F21}" type="datetime1">
               <a:rPr lang="en-US" smtClean="0"/>
-              <a:t>10/11/2016</a:t>
+              <a:t>10/13/2016</a:t>
             </a:fld>
             <a:endParaRPr lang="en-US"/>
           </a:p>
@@ -4340,7 +4340,7 @@
           <a:p>
             <a:fld id="{67B4A11F-801E-4C5F-9DFD-5F45FC22DA80}" type="datetime1">
               <a:rPr lang="en-US" smtClean="0"/>
-              <a:t>10/11/2016</a:t>
+              <a:t>10/13/2016</a:t>
             </a:fld>
             <a:endParaRPr lang="en-US"/>
           </a:p>
@@ -10897,74 +10897,38 @@
           <a:lstStyle/>
           <a:p>
             <a:r>
-              <a:rPr lang="en-US" b="1" dirty="0" err="1">
-                <a:solidFill>
-                  <a:srgbClr val="FF0000"/>
-                </a:solidFill>
-              </a:rPr>
+              <a:rPr lang="en-US" b="1" dirty="0" err="1"/>
               <a:t>Giới</a:t>
             </a:r>
             <a:r>
-              <a:rPr lang="en-US" b="1" dirty="0">
-                <a:solidFill>
-                  <a:srgbClr val="FF0000"/>
-                </a:solidFill>
-              </a:rPr>
-              <a:t> </a:t>
-            </a:r>
-            <a:r>
-              <a:rPr lang="en-US" b="1" dirty="0" err="1">
-                <a:solidFill>
-                  <a:srgbClr val="FF0000"/>
-                </a:solidFill>
-              </a:rPr>
+              <a:rPr lang="en-US" b="1" dirty="0"/>
+              <a:t> </a:t>
+            </a:r>
+            <a:r>
+              <a:rPr lang="en-US" b="1" dirty="0" err="1"/>
               <a:t>thiệu</a:t>
             </a:r>
             <a:r>
-              <a:rPr lang="en-US" b="1" dirty="0">
-                <a:solidFill>
-                  <a:srgbClr val="FF0000"/>
-                </a:solidFill>
-              </a:rPr>
-              <a:t> </a:t>
-            </a:r>
-            <a:r>
-              <a:rPr lang="en-US" b="1" dirty="0" err="1">
-                <a:solidFill>
-                  <a:srgbClr val="FF0000"/>
-                </a:solidFill>
-              </a:rPr>
+              <a:rPr lang="en-US" b="1" dirty="0"/>
+              <a:t> </a:t>
+            </a:r>
+            <a:r>
+              <a:rPr lang="en-US" b="1" dirty="0" err="1"/>
               <a:t>bài</a:t>
             </a:r>
             <a:r>
-              <a:rPr lang="en-US" b="1" dirty="0">
-                <a:solidFill>
-                  <a:srgbClr val="FF0000"/>
-                </a:solidFill>
-              </a:rPr>
-              <a:t> </a:t>
-            </a:r>
-            <a:r>
-              <a:rPr lang="en-US" b="1" dirty="0" err="1" smtClean="0">
-                <a:solidFill>
-                  <a:srgbClr val="FF0000"/>
-                </a:solidFill>
-              </a:rPr>
+              <a:rPr lang="en-US" b="1" dirty="0"/>
+              <a:t> </a:t>
+            </a:r>
+            <a:r>
+              <a:rPr lang="en-US" b="1" dirty="0" err="1" smtClean="0"/>
               <a:t>toán</a:t>
             </a:r>
             <a:r>
-              <a:rPr lang="en-US" b="1" dirty="0" smtClean="0">
-                <a:solidFill>
-                  <a:srgbClr val="FF0000"/>
-                </a:solidFill>
-              </a:rPr>
+              <a:rPr lang="en-US" b="1" dirty="0" smtClean="0"/>
               <a:t> (2)</a:t>
             </a:r>
-            <a:endParaRPr lang="en-US" dirty="0">
-              <a:solidFill>
-                <a:srgbClr val="FF0000"/>
-              </a:solidFill>
-            </a:endParaRPr>
+            <a:endParaRPr lang="en-US" dirty="0"/>
           </a:p>
         </p:txBody>
       </p:sp>
@@ -10984,18 +10948,10 @@
           <a:lstStyle/>
           <a:p>
             <a:r>
-              <a:rPr lang="en-US" smtClean="0">
-                <a:solidFill>
-                  <a:srgbClr val="FF0000"/>
-                </a:solidFill>
-              </a:rPr>
+              <a:rPr lang="en-US" smtClean="0"/>
               <a:t>Phương pháp đặc tả sử dụng LTS</a:t>
             </a:r>
-            <a:endParaRPr lang="en-US">
-              <a:solidFill>
-                <a:srgbClr val="FF0000"/>
-              </a:solidFill>
-            </a:endParaRPr>
+            <a:endParaRPr lang="en-US"/>
           </a:p>
         </p:txBody>
       </p:sp>
@@ -11015,564 +10971,284 @@
           <a:lstStyle/>
           <a:p>
             <a:r>
-              <a:rPr lang="en-US" dirty="0" err="1" smtClean="0">
-                <a:solidFill>
-                  <a:srgbClr val="FF0000"/>
-                </a:solidFill>
-              </a:rPr>
+              <a:rPr lang="en-US" dirty="0" err="1" smtClean="0"/>
               <a:t>Ưu</a:t>
             </a:r>
             <a:r>
-              <a:rPr lang="en-US" dirty="0" smtClean="0">
-                <a:solidFill>
-                  <a:srgbClr val="FF0000"/>
-                </a:solidFill>
-              </a:rPr>
-              <a:t> </a:t>
-            </a:r>
-            <a:r>
-              <a:rPr lang="en-US" dirty="0" err="1" smtClean="0">
-                <a:solidFill>
-                  <a:srgbClr val="FF0000"/>
-                </a:solidFill>
-              </a:rPr>
+              <a:rPr lang="en-US" dirty="0" smtClean="0"/>
+              <a:t> </a:t>
+            </a:r>
+            <a:r>
+              <a:rPr lang="en-US" dirty="0" err="1" smtClean="0"/>
               <a:t>điểm</a:t>
             </a:r>
-            <a:endParaRPr lang="en-US" dirty="0" smtClean="0">
-              <a:solidFill>
-                <a:srgbClr val="FF0000"/>
-              </a:solidFill>
-            </a:endParaRPr>
+            <a:endParaRPr lang="en-US" dirty="0" smtClean="0"/>
           </a:p>
           <a:p>
             <a:pPr lvl="1"/>
             <a:r>
-              <a:rPr lang="en-US" dirty="0" err="1" smtClean="0">
-                <a:solidFill>
-                  <a:srgbClr val="FF0000"/>
-                </a:solidFill>
-              </a:rPr>
+              <a:rPr lang="en-US" dirty="0" err="1" smtClean="0"/>
               <a:t>Trực</a:t>
             </a:r>
             <a:r>
-              <a:rPr lang="en-US" dirty="0" smtClean="0">
-                <a:solidFill>
-                  <a:srgbClr val="FF0000"/>
-                </a:solidFill>
-              </a:rPr>
-              <a:t> </a:t>
-            </a:r>
-            <a:r>
-              <a:rPr lang="en-US" dirty="0" err="1" smtClean="0">
-                <a:solidFill>
-                  <a:srgbClr val="FF0000"/>
-                </a:solidFill>
-              </a:rPr>
+              <a:rPr lang="en-US" dirty="0" smtClean="0"/>
+              <a:t> </a:t>
+            </a:r>
+            <a:r>
+              <a:rPr lang="en-US" dirty="0" err="1" smtClean="0"/>
               <a:t>quan</a:t>
             </a:r>
-            <a:endParaRPr lang="en-US" dirty="0" smtClean="0">
-              <a:solidFill>
-                <a:srgbClr val="FF0000"/>
-              </a:solidFill>
-            </a:endParaRPr>
-          </a:p>
-          <a:p>
-            <a:r>
-              <a:rPr lang="en-US" dirty="0" err="1" smtClean="0">
-                <a:solidFill>
-                  <a:srgbClr val="FF0000"/>
-                </a:solidFill>
-              </a:rPr>
+            <a:endParaRPr lang="en-US" dirty="0" smtClean="0"/>
+          </a:p>
+          <a:p>
+            <a:r>
+              <a:rPr lang="en-US" dirty="0" err="1" smtClean="0"/>
               <a:t>Nhược</a:t>
             </a:r>
             <a:r>
-              <a:rPr lang="en-US" dirty="0" smtClean="0">
-                <a:solidFill>
-                  <a:srgbClr val="FF0000"/>
-                </a:solidFill>
-              </a:rPr>
-              <a:t> </a:t>
-            </a:r>
-            <a:r>
-              <a:rPr lang="en-US" dirty="0" err="1" smtClean="0">
-                <a:solidFill>
-                  <a:srgbClr val="FF0000"/>
-                </a:solidFill>
-              </a:rPr>
+              <a:rPr lang="en-US" dirty="0" smtClean="0"/>
+              <a:t> </a:t>
+            </a:r>
+            <a:r>
+              <a:rPr lang="en-US" dirty="0" err="1" smtClean="0"/>
               <a:t>điểm</a:t>
             </a:r>
-            <a:endParaRPr lang="en-US" dirty="0" smtClean="0">
-              <a:solidFill>
-                <a:srgbClr val="FF0000"/>
-              </a:solidFill>
-            </a:endParaRPr>
+            <a:endParaRPr lang="en-US" dirty="0" smtClean="0"/>
           </a:p>
           <a:p>
             <a:pPr lvl="1"/>
             <a:r>
-              <a:rPr lang="en-US" dirty="0" err="1" smtClean="0">
-                <a:solidFill>
-                  <a:srgbClr val="FF0000"/>
-                </a:solidFill>
-              </a:rPr>
+              <a:rPr lang="en-US" dirty="0" err="1" smtClean="0"/>
               <a:t>Việc</a:t>
             </a:r>
             <a:r>
-              <a:rPr lang="en-US" dirty="0" smtClean="0">
-                <a:solidFill>
-                  <a:srgbClr val="FF0000"/>
-                </a:solidFill>
-              </a:rPr>
-              <a:t> </a:t>
-            </a:r>
-            <a:r>
-              <a:rPr lang="en-US" dirty="0" err="1" smtClean="0">
-                <a:solidFill>
-                  <a:srgbClr val="FF0000"/>
-                </a:solidFill>
-              </a:rPr>
+              <a:rPr lang="en-US" dirty="0" smtClean="0"/>
+              <a:t> </a:t>
+            </a:r>
+            <a:r>
+              <a:rPr lang="en-US" dirty="0" err="1" smtClean="0"/>
               <a:t>biểu</a:t>
             </a:r>
             <a:r>
-              <a:rPr lang="en-US" dirty="0" smtClean="0">
-                <a:solidFill>
-                  <a:srgbClr val="FF0000"/>
-                </a:solidFill>
-              </a:rPr>
-              <a:t> </a:t>
-            </a:r>
-            <a:r>
-              <a:rPr lang="en-US" dirty="0" err="1" smtClean="0">
-                <a:solidFill>
-                  <a:srgbClr val="FF0000"/>
-                </a:solidFill>
-              </a:rPr>
+              <a:rPr lang="en-US" dirty="0" smtClean="0"/>
+              <a:t> </a:t>
+            </a:r>
+            <a:r>
+              <a:rPr lang="en-US" dirty="0" err="1" smtClean="0"/>
               <a:t>diễn</a:t>
             </a:r>
             <a:r>
-              <a:rPr lang="en-US" dirty="0" smtClean="0">
-                <a:solidFill>
-                  <a:srgbClr val="FF0000"/>
-                </a:solidFill>
-              </a:rPr>
-              <a:t> </a:t>
-            </a:r>
-            <a:r>
-              <a:rPr lang="en-US" dirty="0" err="1" smtClean="0">
-                <a:solidFill>
-                  <a:srgbClr val="FF0000"/>
-                </a:solidFill>
-              </a:rPr>
+              <a:rPr lang="en-US" dirty="0" smtClean="0"/>
+              <a:t> </a:t>
+            </a:r>
+            <a:r>
+              <a:rPr lang="en-US" dirty="0" err="1" smtClean="0"/>
               <a:t>bằng</a:t>
             </a:r>
             <a:r>
-              <a:rPr lang="en-US" dirty="0" smtClean="0">
-                <a:solidFill>
-                  <a:srgbClr val="FF0000"/>
-                </a:solidFill>
-              </a:rPr>
+              <a:rPr lang="en-US" dirty="0" smtClean="0"/>
               <a:t> LTS </a:t>
             </a:r>
             <a:r>
-              <a:rPr lang="en-US" dirty="0" err="1" smtClean="0">
-                <a:solidFill>
-                  <a:srgbClr val="FF0000"/>
-                </a:solidFill>
-              </a:rPr>
+              <a:rPr lang="en-US" dirty="0" err="1" smtClean="0"/>
               <a:t>đối</a:t>
             </a:r>
             <a:r>
-              <a:rPr lang="en-US" dirty="0" smtClean="0">
-                <a:solidFill>
-                  <a:srgbClr val="FF0000"/>
-                </a:solidFill>
-              </a:rPr>
-              <a:t> </a:t>
-            </a:r>
-            <a:r>
-              <a:rPr lang="en-US" dirty="0" err="1" smtClean="0">
-                <a:solidFill>
-                  <a:srgbClr val="FF0000"/>
-                </a:solidFill>
-              </a:rPr>
+              <a:rPr lang="en-US" dirty="0" smtClean="0"/>
+              <a:t> </a:t>
+            </a:r>
+            <a:r>
+              <a:rPr lang="en-US" dirty="0" err="1" smtClean="0"/>
               <a:t>với</a:t>
             </a:r>
             <a:r>
-              <a:rPr lang="en-US" dirty="0" smtClean="0">
-                <a:solidFill>
-                  <a:srgbClr val="FF0000"/>
-                </a:solidFill>
-              </a:rPr>
-              <a:t> </a:t>
-            </a:r>
-            <a:r>
-              <a:rPr lang="en-US" dirty="0" err="1" smtClean="0">
-                <a:solidFill>
-                  <a:srgbClr val="FF0000"/>
-                </a:solidFill>
-              </a:rPr>
+              <a:rPr lang="en-US" dirty="0" smtClean="0"/>
+              <a:t> </a:t>
+            </a:r>
+            <a:r>
+              <a:rPr lang="en-US" dirty="0" err="1" smtClean="0"/>
               <a:t>các</a:t>
             </a:r>
             <a:r>
-              <a:rPr lang="en-US" dirty="0" smtClean="0">
-                <a:solidFill>
-                  <a:srgbClr val="FF0000"/>
-                </a:solidFill>
-              </a:rPr>
-              <a:t> </a:t>
-            </a:r>
-            <a:r>
-              <a:rPr lang="en-US" dirty="0" err="1" smtClean="0">
-                <a:solidFill>
-                  <a:srgbClr val="FF0000"/>
-                </a:solidFill>
-              </a:rPr>
+              <a:rPr lang="en-US" dirty="0" smtClean="0"/>
+              <a:t> </a:t>
+            </a:r>
+            <a:r>
+              <a:rPr lang="en-US" dirty="0" err="1" smtClean="0"/>
               <a:t>hệ</a:t>
             </a:r>
             <a:r>
-              <a:rPr lang="en-US" dirty="0" smtClean="0">
-                <a:solidFill>
-                  <a:srgbClr val="FF0000"/>
-                </a:solidFill>
-              </a:rPr>
-              <a:t> </a:t>
-            </a:r>
-            <a:r>
-              <a:rPr lang="en-US" dirty="0" err="1" smtClean="0">
-                <a:solidFill>
-                  <a:srgbClr val="FF0000"/>
-                </a:solidFill>
-              </a:rPr>
+              <a:rPr lang="en-US" dirty="0" smtClean="0"/>
+              <a:t> </a:t>
+            </a:r>
+            <a:r>
+              <a:rPr lang="en-US" dirty="0" err="1" smtClean="0"/>
               <a:t>thống</a:t>
             </a:r>
             <a:r>
-              <a:rPr lang="en-US" dirty="0" smtClean="0">
-                <a:solidFill>
-                  <a:srgbClr val="FF0000"/>
-                </a:solidFill>
-              </a:rPr>
-              <a:t> </a:t>
-            </a:r>
-            <a:r>
-              <a:rPr lang="en-US" dirty="0" err="1" smtClean="0">
-                <a:solidFill>
-                  <a:srgbClr val="FF0000"/>
-                </a:solidFill>
-              </a:rPr>
+              <a:rPr lang="en-US" dirty="0" smtClean="0"/>
+              <a:t> </a:t>
+            </a:r>
+            <a:r>
+              <a:rPr lang="en-US" dirty="0" err="1" smtClean="0"/>
               <a:t>lớn</a:t>
             </a:r>
             <a:r>
-              <a:rPr lang="en-US" dirty="0" smtClean="0">
-                <a:solidFill>
-                  <a:srgbClr val="FF0000"/>
-                </a:solidFill>
-              </a:rPr>
-              <a:t> </a:t>
-            </a:r>
-            <a:r>
-              <a:rPr lang="en-US" dirty="0" err="1" smtClean="0">
-                <a:solidFill>
-                  <a:srgbClr val="FF0000"/>
-                </a:solidFill>
-              </a:rPr>
+              <a:rPr lang="en-US" dirty="0" smtClean="0"/>
+              <a:t> </a:t>
+            </a:r>
+            <a:r>
+              <a:rPr lang="en-US" dirty="0" err="1" smtClean="0"/>
               <a:t>là</a:t>
             </a:r>
             <a:r>
-              <a:rPr lang="en-US" dirty="0" smtClean="0">
-                <a:solidFill>
-                  <a:srgbClr val="FF0000"/>
-                </a:solidFill>
-              </a:rPr>
-              <a:t> </a:t>
-            </a:r>
-            <a:r>
-              <a:rPr lang="en-US" dirty="0" err="1" smtClean="0">
-                <a:solidFill>
-                  <a:srgbClr val="FF0000"/>
-                </a:solidFill>
-              </a:rPr>
+              <a:rPr lang="en-US" dirty="0" smtClean="0"/>
+              <a:t> </a:t>
+            </a:r>
+            <a:r>
+              <a:rPr lang="en-US" dirty="0" err="1" smtClean="0"/>
               <a:t>khó</a:t>
             </a:r>
             <a:r>
-              <a:rPr lang="en-US" dirty="0" smtClean="0">
-                <a:solidFill>
-                  <a:srgbClr val="FF0000"/>
-                </a:solidFill>
-              </a:rPr>
+              <a:rPr lang="en-US" dirty="0" smtClean="0"/>
               <a:t>, </a:t>
             </a:r>
             <a:r>
-              <a:rPr lang="en-US" dirty="0" err="1" smtClean="0">
-                <a:solidFill>
-                  <a:srgbClr val="FF0000"/>
-                </a:solidFill>
-              </a:rPr>
+              <a:rPr lang="en-US" dirty="0" err="1" smtClean="0"/>
               <a:t>tốn</a:t>
             </a:r>
             <a:r>
-              <a:rPr lang="en-US" dirty="0" smtClean="0">
-                <a:solidFill>
-                  <a:srgbClr val="FF0000"/>
-                </a:solidFill>
-              </a:rPr>
-              <a:t> </a:t>
-            </a:r>
-            <a:r>
-              <a:rPr lang="en-US" dirty="0" err="1" smtClean="0">
-                <a:solidFill>
-                  <a:srgbClr val="FF0000"/>
-                </a:solidFill>
-              </a:rPr>
+              <a:rPr lang="en-US" dirty="0" smtClean="0"/>
+              <a:t> </a:t>
+            </a:r>
+            <a:r>
+              <a:rPr lang="en-US" dirty="0" err="1" smtClean="0"/>
               <a:t>thời</a:t>
             </a:r>
             <a:r>
-              <a:rPr lang="en-US" dirty="0" smtClean="0">
-                <a:solidFill>
-                  <a:srgbClr val="FF0000"/>
-                </a:solidFill>
-              </a:rPr>
-              <a:t> </a:t>
-            </a:r>
-            <a:r>
-              <a:rPr lang="en-US" dirty="0" err="1" smtClean="0">
-                <a:solidFill>
-                  <a:srgbClr val="FF0000"/>
-                </a:solidFill>
-              </a:rPr>
+              <a:rPr lang="en-US" dirty="0" smtClean="0"/>
+              <a:t> </a:t>
+            </a:r>
+            <a:r>
+              <a:rPr lang="en-US" dirty="0" err="1" smtClean="0"/>
               <a:t>gian</a:t>
             </a:r>
             <a:r>
-              <a:rPr lang="en-US" dirty="0" smtClean="0">
-                <a:solidFill>
-                  <a:srgbClr val="FF0000"/>
-                </a:solidFill>
-              </a:rPr>
-              <a:t> </a:t>
-            </a:r>
-            <a:r>
-              <a:rPr lang="en-US" dirty="0" err="1" smtClean="0">
-                <a:solidFill>
-                  <a:srgbClr val="FF0000"/>
-                </a:solidFill>
-              </a:rPr>
+              <a:rPr lang="en-US" dirty="0" smtClean="0"/>
+              <a:t> </a:t>
+            </a:r>
+            <a:r>
+              <a:rPr lang="en-US" dirty="0" err="1" smtClean="0"/>
               <a:t>và</a:t>
             </a:r>
             <a:r>
-              <a:rPr lang="en-US" dirty="0" smtClean="0">
-                <a:solidFill>
-                  <a:srgbClr val="FF0000"/>
-                </a:solidFill>
-              </a:rPr>
-              <a:t> </a:t>
-            </a:r>
-            <a:r>
-              <a:rPr lang="en-US" dirty="0" err="1" smtClean="0">
-                <a:solidFill>
-                  <a:srgbClr val="FF0000"/>
-                </a:solidFill>
-              </a:rPr>
+              <a:rPr lang="en-US" dirty="0" smtClean="0"/>
+              <a:t> </a:t>
+            </a:r>
+            <a:r>
+              <a:rPr lang="en-US" dirty="0" err="1" smtClean="0"/>
               <a:t>công</a:t>
             </a:r>
             <a:r>
-              <a:rPr lang="en-US" dirty="0" smtClean="0">
-                <a:solidFill>
-                  <a:srgbClr val="FF0000"/>
-                </a:solidFill>
-              </a:rPr>
-              <a:t> </a:t>
-            </a:r>
-            <a:r>
-              <a:rPr lang="en-US" dirty="0" err="1" smtClean="0">
-                <a:solidFill>
-                  <a:srgbClr val="FF0000"/>
-                </a:solidFill>
-              </a:rPr>
+              <a:rPr lang="en-US" dirty="0" smtClean="0"/>
+              <a:t> </a:t>
+            </a:r>
+            <a:r>
+              <a:rPr lang="en-US" dirty="0" err="1" smtClean="0"/>
               <a:t>sức</a:t>
             </a:r>
             <a:r>
-              <a:rPr lang="en-US" dirty="0" smtClean="0">
-                <a:solidFill>
-                  <a:srgbClr val="FF0000"/>
-                </a:solidFill>
-              </a:rPr>
+              <a:rPr lang="en-US" dirty="0" smtClean="0"/>
               <a:t>.</a:t>
             </a:r>
           </a:p>
           <a:p>
             <a:pPr lvl="1"/>
             <a:r>
-              <a:rPr lang="en-US" dirty="0" err="1" smtClean="0">
-                <a:solidFill>
-                  <a:srgbClr val="FF0000"/>
-                </a:solidFill>
-              </a:rPr>
+              <a:rPr lang="en-US" dirty="0" err="1" smtClean="0"/>
               <a:t>Có</a:t>
             </a:r>
             <a:r>
-              <a:rPr lang="en-US" dirty="0" smtClean="0">
-                <a:solidFill>
-                  <a:srgbClr val="FF0000"/>
-                </a:solidFill>
-              </a:rPr>
-              <a:t> </a:t>
-            </a:r>
-            <a:r>
-              <a:rPr lang="en-US" dirty="0" err="1" smtClean="0">
-                <a:solidFill>
-                  <a:srgbClr val="FF0000"/>
-                </a:solidFill>
-              </a:rPr>
+              <a:rPr lang="en-US" dirty="0" smtClean="0"/>
+              <a:t> </a:t>
+            </a:r>
+            <a:r>
+              <a:rPr lang="en-US" dirty="0" err="1" smtClean="0"/>
               <a:t>thể</a:t>
             </a:r>
             <a:r>
-              <a:rPr lang="en-US" dirty="0" smtClean="0">
-                <a:solidFill>
-                  <a:srgbClr val="FF0000"/>
-                </a:solidFill>
-              </a:rPr>
-              <a:t> </a:t>
-            </a:r>
-            <a:r>
-              <a:rPr lang="en-US" dirty="0" err="1" smtClean="0">
-                <a:solidFill>
-                  <a:srgbClr val="FF0000"/>
-                </a:solidFill>
-              </a:rPr>
+              <a:rPr lang="en-US" dirty="0" smtClean="0"/>
+              <a:t> </a:t>
+            </a:r>
+            <a:r>
+              <a:rPr lang="en-US" dirty="0" err="1" smtClean="0"/>
               <a:t>dẫn</a:t>
             </a:r>
             <a:r>
-              <a:rPr lang="en-US" dirty="0" smtClean="0">
-                <a:solidFill>
-                  <a:srgbClr val="FF0000"/>
-                </a:solidFill>
-              </a:rPr>
-              <a:t> </a:t>
-            </a:r>
-            <a:r>
-              <a:rPr lang="en-US" dirty="0" err="1" smtClean="0">
-                <a:solidFill>
-                  <a:srgbClr val="FF0000"/>
-                </a:solidFill>
-              </a:rPr>
+              <a:rPr lang="en-US" dirty="0" smtClean="0"/>
+              <a:t> </a:t>
+            </a:r>
+            <a:r>
+              <a:rPr lang="en-US" dirty="0" err="1" smtClean="0"/>
               <a:t>bài</a:t>
             </a:r>
             <a:r>
-              <a:rPr lang="en-US" dirty="0" smtClean="0">
-                <a:solidFill>
-                  <a:srgbClr val="FF0000"/>
-                </a:solidFill>
-              </a:rPr>
-              <a:t> </a:t>
-            </a:r>
-            <a:r>
-              <a:rPr lang="en-US" dirty="0" err="1" smtClean="0">
-                <a:solidFill>
-                  <a:srgbClr val="FF0000"/>
-                </a:solidFill>
-              </a:rPr>
+              <a:rPr lang="en-US" dirty="0" smtClean="0"/>
+              <a:t> </a:t>
+            </a:r>
+            <a:r>
+              <a:rPr lang="en-US" dirty="0" err="1" smtClean="0"/>
               <a:t>toán</a:t>
             </a:r>
             <a:r>
-              <a:rPr lang="en-US" dirty="0" smtClean="0">
-                <a:solidFill>
-                  <a:srgbClr val="FF0000"/>
-                </a:solidFill>
-              </a:rPr>
-              <a:t> </a:t>
-            </a:r>
-            <a:r>
-              <a:rPr lang="en-US" dirty="0" err="1" smtClean="0">
-                <a:solidFill>
-                  <a:srgbClr val="FF0000"/>
-                </a:solidFill>
-              </a:rPr>
+              <a:rPr lang="en-US" dirty="0" smtClean="0"/>
+              <a:t> </a:t>
+            </a:r>
+            <a:r>
+              <a:rPr lang="en-US" dirty="0" err="1" smtClean="0"/>
               <a:t>bùng</a:t>
             </a:r>
             <a:r>
-              <a:rPr lang="en-US" dirty="0" smtClean="0">
-                <a:solidFill>
-                  <a:srgbClr val="FF0000"/>
-                </a:solidFill>
-              </a:rPr>
-              <a:t> </a:t>
-            </a:r>
-            <a:r>
-              <a:rPr lang="en-US" dirty="0" err="1" smtClean="0">
-                <a:solidFill>
-                  <a:srgbClr val="FF0000"/>
-                </a:solidFill>
-              </a:rPr>
+              <a:rPr lang="en-US" dirty="0" smtClean="0"/>
+              <a:t> </a:t>
+            </a:r>
+            <a:r>
+              <a:rPr lang="en-US" dirty="0" err="1" smtClean="0"/>
               <a:t>nổ</a:t>
             </a:r>
             <a:r>
-              <a:rPr lang="en-US" dirty="0" smtClean="0">
-                <a:solidFill>
-                  <a:srgbClr val="FF0000"/>
-                </a:solidFill>
-              </a:rPr>
-              <a:t> </a:t>
-            </a:r>
-            <a:r>
-              <a:rPr lang="en-US" dirty="0" err="1" smtClean="0">
-                <a:solidFill>
-                  <a:srgbClr val="FF0000"/>
-                </a:solidFill>
-              </a:rPr>
+              <a:rPr lang="en-US" dirty="0" smtClean="0"/>
+              <a:t> </a:t>
+            </a:r>
+            <a:r>
+              <a:rPr lang="en-US" dirty="0" err="1" smtClean="0"/>
               <a:t>không</a:t>
             </a:r>
             <a:r>
-              <a:rPr lang="en-US" dirty="0" smtClean="0">
-                <a:solidFill>
-                  <a:srgbClr val="FF0000"/>
-                </a:solidFill>
-              </a:rPr>
-              <a:t> </a:t>
-            </a:r>
-            <a:r>
-              <a:rPr lang="en-US" dirty="0" err="1" smtClean="0">
-                <a:solidFill>
-                  <a:srgbClr val="FF0000"/>
-                </a:solidFill>
-              </a:rPr>
+              <a:rPr lang="en-US" dirty="0" smtClean="0"/>
+              <a:t> </a:t>
+            </a:r>
+            <a:r>
+              <a:rPr lang="en-US" dirty="0" err="1" smtClean="0"/>
               <a:t>gian</a:t>
             </a:r>
             <a:r>
-              <a:rPr lang="en-US" dirty="0" smtClean="0">
-                <a:solidFill>
-                  <a:srgbClr val="FF0000"/>
-                </a:solidFill>
-              </a:rPr>
-              <a:t> </a:t>
-            </a:r>
-            <a:r>
-              <a:rPr lang="en-US" dirty="0" err="1" smtClean="0">
-                <a:solidFill>
-                  <a:srgbClr val="FF0000"/>
-                </a:solidFill>
-              </a:rPr>
+              <a:rPr lang="en-US" dirty="0" smtClean="0"/>
+              <a:t> </a:t>
+            </a:r>
+            <a:r>
+              <a:rPr lang="en-US" dirty="0" err="1" smtClean="0"/>
               <a:t>trạng</a:t>
             </a:r>
             <a:r>
-              <a:rPr lang="en-US" dirty="0" smtClean="0">
-                <a:solidFill>
-                  <a:srgbClr val="FF0000"/>
-                </a:solidFill>
-              </a:rPr>
-              <a:t> </a:t>
-            </a:r>
-            <a:r>
-              <a:rPr lang="en-US" dirty="0" err="1" smtClean="0">
-                <a:solidFill>
-                  <a:srgbClr val="FF0000"/>
-                </a:solidFill>
-              </a:rPr>
+              <a:rPr lang="en-US" dirty="0" smtClean="0"/>
+              <a:t> </a:t>
+            </a:r>
+            <a:r>
+              <a:rPr lang="en-US" dirty="0" err="1" smtClean="0"/>
               <a:t>thái</a:t>
             </a:r>
-            <a:endParaRPr lang="en-US" dirty="0">
-              <a:solidFill>
-                <a:srgbClr val="FF0000"/>
-              </a:solidFill>
-            </a:endParaRPr>
+            <a:endParaRPr lang="en-US" dirty="0"/>
           </a:p>
         </p:txBody>
       </p:sp>
@@ -11592,18 +11268,10 @@
           <a:lstStyle/>
           <a:p>
             <a:r>
-              <a:rPr lang="en-US" smtClean="0">
-                <a:solidFill>
-                  <a:srgbClr val="FF0000"/>
-                </a:solidFill>
-              </a:rPr>
+              <a:rPr lang="en-US" smtClean="0"/>
               <a:t>Phương pháp đặc tả sử dụng hàm logic</a:t>
             </a:r>
-            <a:endParaRPr lang="en-US">
-              <a:solidFill>
-                <a:srgbClr val="FF0000"/>
-              </a:solidFill>
-            </a:endParaRPr>
+            <a:endParaRPr lang="en-US"/>
           </a:p>
         </p:txBody>
       </p:sp>
@@ -11625,61 +11293,37 @@
           <a:lstStyle/>
           <a:p>
             <a:r>
-              <a:rPr lang="en-US" smtClean="0">
-                <a:solidFill>
-                  <a:srgbClr val="FF0000"/>
-                </a:solidFill>
-              </a:rPr>
+              <a:rPr lang="en-US" smtClean="0"/>
               <a:t>Ưu điểm</a:t>
             </a:r>
           </a:p>
           <a:p>
             <a:pPr lvl="1"/>
             <a:r>
-              <a:rPr lang="en-US" smtClean="0">
-                <a:solidFill>
-                  <a:srgbClr val="FF0000"/>
-                </a:solidFill>
-              </a:rPr>
+              <a:rPr lang="en-US" smtClean="0"/>
               <a:t>Giải quyết được bài toán bùng nổ không gian trạng thái</a:t>
             </a:r>
           </a:p>
           <a:p>
             <a:pPr lvl="1"/>
             <a:r>
-              <a:rPr lang="en-US" smtClean="0">
-                <a:solidFill>
-                  <a:srgbClr val="FF0000"/>
-                </a:solidFill>
-              </a:rPr>
+              <a:rPr lang="en-US" smtClean="0"/>
               <a:t>Biểu diễn các hệ thống lớn khá hiệu quả</a:t>
             </a:r>
           </a:p>
           <a:p>
             <a:r>
-              <a:rPr lang="en-US" smtClean="0">
-                <a:solidFill>
-                  <a:srgbClr val="FF0000"/>
-                </a:solidFill>
-              </a:rPr>
+              <a:rPr lang="en-US" smtClean="0"/>
               <a:t>Nhược điểm</a:t>
             </a:r>
           </a:p>
           <a:p>
             <a:pPr lvl="1"/>
             <a:r>
-              <a:rPr lang="en-US" smtClean="0">
-                <a:solidFill>
-                  <a:srgbClr val="FF0000"/>
-                </a:solidFill>
-              </a:rPr>
+              <a:rPr lang="en-US" smtClean="0"/>
               <a:t>Không trực quan vì dạng biểu diễn chỉ là các hàm Boolean</a:t>
             </a:r>
-            <a:endParaRPr lang="en-US">
-              <a:solidFill>
-                <a:srgbClr val="FF0000"/>
-              </a:solidFill>
-            </a:endParaRPr>
+            <a:endParaRPr lang="en-US"/>
           </a:p>
         </p:txBody>
       </p:sp>
@@ -11701,14 +11345,14 @@
             <a:fld id="{DF691789-08F5-40BB-8E0D-8090C8F485A6}" type="slidenum">
               <a:rPr lang="en-US" smtClean="0">
                 <a:solidFill>
-                  <a:srgbClr val="FF0000"/>
+                  <a:schemeClr val="tx1"/>
                 </a:solidFill>
               </a:rPr>
               <a:t>4</a:t>
             </a:fld>
             <a:endParaRPr lang="en-US">
               <a:solidFill>
-                <a:srgbClr val="FF0000"/>
+                <a:schemeClr val="tx1"/>
               </a:solidFill>
             </a:endParaRPr>
           </a:p>
@@ -12102,249 +11746,129 @@
           </a:p>
           <a:p>
             <a:r>
-              <a:rPr lang="en-US" dirty="0" err="1">
-                <a:solidFill>
-                  <a:srgbClr val="FF0000"/>
-                </a:solidFill>
-              </a:rPr>
+              <a:rPr lang="en-US" dirty="0" err="1"/>
               <a:t>Quy</a:t>
             </a:r>
             <a:r>
-              <a:rPr lang="en-US" dirty="0">
-                <a:solidFill>
-                  <a:srgbClr val="FF0000"/>
-                </a:solidFill>
-              </a:rPr>
-              <a:t> </a:t>
-            </a:r>
-            <a:r>
-              <a:rPr lang="en-US" dirty="0" err="1">
-                <a:solidFill>
-                  <a:srgbClr val="FF0000"/>
-                </a:solidFill>
-              </a:rPr>
+              <a:rPr lang="en-US" dirty="0"/>
+              <a:t> </a:t>
+            </a:r>
+            <a:r>
+              <a:rPr lang="en-US" dirty="0" err="1"/>
               <a:t>tắc</a:t>
             </a:r>
             <a:r>
-              <a:rPr lang="en-US" dirty="0">
-                <a:solidFill>
-                  <a:srgbClr val="FF0000"/>
-                </a:solidFill>
-              </a:rPr>
-              <a:t> </a:t>
-            </a:r>
-            <a:r>
-              <a:rPr lang="en-US" dirty="0" err="1">
-                <a:solidFill>
-                  <a:srgbClr val="FF0000"/>
-                </a:solidFill>
-              </a:rPr>
+              <a:rPr lang="en-US" dirty="0"/>
+              <a:t> </a:t>
+            </a:r>
+            <a:r>
+              <a:rPr lang="en-US" dirty="0" err="1"/>
               <a:t>kiểm</a:t>
             </a:r>
             <a:r>
-              <a:rPr lang="en-US" dirty="0">
-                <a:solidFill>
-                  <a:srgbClr val="FF0000"/>
-                </a:solidFill>
-              </a:rPr>
-              <a:t> </a:t>
-            </a:r>
-            <a:r>
-              <a:rPr lang="en-US" dirty="0" err="1">
-                <a:solidFill>
-                  <a:srgbClr val="FF0000"/>
-                </a:solidFill>
-              </a:rPr>
+              <a:rPr lang="en-US" dirty="0"/>
+              <a:t> </a:t>
+            </a:r>
+            <a:r>
+              <a:rPr lang="en-US" dirty="0" err="1"/>
               <a:t>chứng</a:t>
             </a:r>
             <a:r>
-              <a:rPr lang="en-US" dirty="0">
-                <a:solidFill>
-                  <a:srgbClr val="FF0000"/>
-                </a:solidFill>
-              </a:rPr>
-              <a:t> </a:t>
-            </a:r>
-            <a:r>
-              <a:rPr lang="en-US" dirty="0" err="1">
-                <a:solidFill>
-                  <a:srgbClr val="FF0000"/>
-                </a:solidFill>
-              </a:rPr>
+              <a:rPr lang="en-US" dirty="0"/>
+              <a:t> </a:t>
+            </a:r>
+            <a:r>
+              <a:rPr lang="en-US" dirty="0" err="1"/>
               <a:t>giả</a:t>
             </a:r>
             <a:r>
-              <a:rPr lang="en-US" dirty="0">
-                <a:solidFill>
-                  <a:srgbClr val="FF0000"/>
-                </a:solidFill>
-              </a:rPr>
-              <a:t> </a:t>
-            </a:r>
-            <a:r>
-              <a:rPr lang="en-US" dirty="0" err="1">
-                <a:solidFill>
-                  <a:srgbClr val="FF0000"/>
-                </a:solidFill>
-              </a:rPr>
+              <a:rPr lang="en-US" dirty="0"/>
+              <a:t> </a:t>
+            </a:r>
+            <a:r>
+              <a:rPr lang="en-US" dirty="0" err="1"/>
               <a:t>định</a:t>
             </a:r>
             <a:r>
-              <a:rPr lang="en-US" dirty="0">
-                <a:solidFill>
-                  <a:srgbClr val="FF0000"/>
-                </a:solidFill>
-              </a:rPr>
-              <a:t> </a:t>
-            </a:r>
-            <a:r>
-              <a:rPr lang="en-US" dirty="0" err="1">
-                <a:solidFill>
-                  <a:srgbClr val="FF0000"/>
-                </a:solidFill>
-              </a:rPr>
+              <a:rPr lang="en-US" dirty="0"/>
+              <a:t> </a:t>
+            </a:r>
+            <a:r>
+              <a:rPr lang="en-US" dirty="0" err="1"/>
               <a:t>đảm</a:t>
             </a:r>
             <a:r>
-              <a:rPr lang="en-US" dirty="0">
-                <a:solidFill>
-                  <a:srgbClr val="FF0000"/>
-                </a:solidFill>
-              </a:rPr>
-              <a:t> </a:t>
-            </a:r>
-            <a:r>
-              <a:rPr lang="en-US" dirty="0" err="1">
-                <a:solidFill>
-                  <a:srgbClr val="FF0000"/>
-                </a:solidFill>
-              </a:rPr>
+              <a:rPr lang="en-US" dirty="0"/>
+              <a:t> </a:t>
+            </a:r>
+            <a:r>
+              <a:rPr lang="en-US" dirty="0" err="1"/>
               <a:t>bảo</a:t>
             </a:r>
             <a:r>
-              <a:rPr lang="en-US" dirty="0">
-                <a:solidFill>
-                  <a:srgbClr val="FF0000"/>
-                </a:solidFill>
-              </a:rPr>
+              <a:rPr lang="en-US" dirty="0"/>
               <a:t>:</a:t>
             </a:r>
           </a:p>
           <a:p>
             <a:pPr lvl="1"/>
             <a:r>
-              <a:rPr lang="en-US" dirty="0">
-                <a:solidFill>
-                  <a:srgbClr val="FF0000"/>
-                </a:solidFill>
-              </a:rPr>
+              <a:rPr lang="en-US" dirty="0"/>
               <a:t>&lt;A&gt; M</a:t>
             </a:r>
             <a:r>
-              <a:rPr lang="en-US" baseline="-25000" dirty="0">
-                <a:solidFill>
-                  <a:srgbClr val="FF0000"/>
-                </a:solidFill>
-              </a:rPr>
+              <a:rPr lang="en-US" baseline="-25000" dirty="0"/>
               <a:t>1</a:t>
             </a:r>
             <a:r>
-              <a:rPr lang="en-US" dirty="0">
-                <a:solidFill>
-                  <a:srgbClr val="FF0000"/>
-                </a:solidFill>
-              </a:rPr>
+              <a:rPr lang="en-US" dirty="0"/>
               <a:t> &lt;p&gt; </a:t>
             </a:r>
             <a:r>
-              <a:rPr lang="en-US" dirty="0" err="1">
-                <a:solidFill>
-                  <a:srgbClr val="FF0000"/>
-                </a:solidFill>
-              </a:rPr>
+              <a:rPr lang="en-US" dirty="0" err="1"/>
               <a:t>trả</a:t>
             </a:r>
             <a:r>
-              <a:rPr lang="en-US" dirty="0">
-                <a:solidFill>
-                  <a:srgbClr val="FF0000"/>
-                </a:solidFill>
-              </a:rPr>
-              <a:t> </a:t>
-            </a:r>
-            <a:r>
-              <a:rPr lang="en-US" dirty="0" err="1">
-                <a:solidFill>
-                  <a:srgbClr val="FF0000"/>
-                </a:solidFill>
-              </a:rPr>
+              <a:rPr lang="en-US" dirty="0"/>
+              <a:t> </a:t>
+            </a:r>
+            <a:r>
+              <a:rPr lang="en-US" dirty="0" err="1"/>
               <a:t>về</a:t>
             </a:r>
             <a:r>
-              <a:rPr lang="en-US" dirty="0">
-                <a:solidFill>
-                  <a:srgbClr val="FF0000"/>
-                </a:solidFill>
-              </a:rPr>
+              <a:rPr lang="en-US" dirty="0"/>
               <a:t> True</a:t>
             </a:r>
           </a:p>
           <a:p>
             <a:pPr lvl="1"/>
             <a:r>
-              <a:rPr lang="en-US" dirty="0">
-                <a:solidFill>
-                  <a:srgbClr val="FF0000"/>
-                </a:solidFill>
-              </a:rPr>
+              <a:rPr lang="en-US" dirty="0"/>
               <a:t>&lt;True&gt; M</a:t>
             </a:r>
             <a:r>
-              <a:rPr lang="en-US" baseline="-25000" dirty="0">
-                <a:solidFill>
-                  <a:srgbClr val="FF0000"/>
-                </a:solidFill>
-              </a:rPr>
+              <a:rPr lang="en-US" baseline="-25000" dirty="0"/>
               <a:t>2</a:t>
             </a:r>
             <a:r>
-              <a:rPr lang="en-US" dirty="0">
-                <a:solidFill>
-                  <a:srgbClr val="FF0000"/>
-                </a:solidFill>
-              </a:rPr>
+              <a:rPr lang="en-US" dirty="0"/>
               <a:t> &lt;A&gt; </a:t>
             </a:r>
             <a:r>
-              <a:rPr lang="en-US" dirty="0" err="1">
-                <a:solidFill>
-                  <a:srgbClr val="FF0000"/>
-                </a:solidFill>
-              </a:rPr>
+              <a:rPr lang="en-US" dirty="0" err="1"/>
               <a:t>trả</a:t>
             </a:r>
             <a:r>
-              <a:rPr lang="en-US" dirty="0">
-                <a:solidFill>
-                  <a:srgbClr val="FF0000"/>
-                </a:solidFill>
-              </a:rPr>
-              <a:t> </a:t>
-            </a:r>
-            <a:r>
-              <a:rPr lang="en-US" dirty="0" err="1">
-                <a:solidFill>
-                  <a:srgbClr val="FF0000"/>
-                </a:solidFill>
-              </a:rPr>
+              <a:rPr lang="en-US" dirty="0"/>
+              <a:t> </a:t>
+            </a:r>
+            <a:r>
+              <a:rPr lang="en-US" dirty="0" err="1"/>
               <a:t>về</a:t>
             </a:r>
             <a:r>
-              <a:rPr lang="en-US" dirty="0">
-                <a:solidFill>
-                  <a:srgbClr val="FF0000"/>
-                </a:solidFill>
-              </a:rPr>
+              <a:rPr lang="en-US" dirty="0"/>
               <a:t> True</a:t>
             </a:r>
           </a:p>
@@ -12353,96 +11877,41 @@
               <a:buNone/>
             </a:pPr>
             <a:r>
-              <a:rPr lang="en-US" dirty="0" smtClean="0">
-                <a:solidFill>
-                  <a:srgbClr val="FF0000"/>
-                </a:solidFill>
-              </a:rPr>
+              <a:rPr lang="en-US" dirty="0" smtClean="0"/>
               <a:t>	</a:t>
             </a:r>
             <a:r>
-              <a:rPr lang="en-US" dirty="0" err="1" smtClean="0">
-                <a:solidFill>
-                  <a:srgbClr val="FF0000"/>
-                </a:solidFill>
-              </a:rPr>
+              <a:rPr lang="en-US" dirty="0" err="1" smtClean="0"/>
               <a:t>Sinh</a:t>
             </a:r>
             <a:r>
-              <a:rPr lang="en-US" dirty="0" smtClean="0">
-                <a:solidFill>
-                  <a:srgbClr val="FF0000"/>
-                </a:solidFill>
-              </a:rPr>
+              <a:rPr lang="en-US" dirty="0" smtClean="0"/>
               <a:t> A </a:t>
             </a:r>
             <a:r>
-              <a:rPr lang="en-US" dirty="0" err="1" smtClean="0">
-                <a:solidFill>
-                  <a:srgbClr val="FF0000"/>
-                </a:solidFill>
-              </a:rPr>
+              <a:rPr lang="en-US" dirty="0" err="1" smtClean="0"/>
               <a:t>như</a:t>
             </a:r>
             <a:r>
-              <a:rPr lang="en-US" dirty="0" smtClean="0">
-                <a:solidFill>
-                  <a:srgbClr val="FF0000"/>
-                </a:solidFill>
-              </a:rPr>
-              <a:t> </a:t>
-            </a:r>
-            <a:r>
-              <a:rPr lang="en-US" dirty="0" err="1" smtClean="0">
-                <a:solidFill>
-                  <a:srgbClr val="FF0000"/>
-                </a:solidFill>
-              </a:rPr>
+              <a:rPr lang="en-US" dirty="0" smtClean="0"/>
+              <a:t> </a:t>
+            </a:r>
+            <a:r>
+              <a:rPr lang="en-US" dirty="0" err="1" smtClean="0"/>
               <a:t>thế</a:t>
             </a:r>
             <a:r>
-              <a:rPr lang="en-US" dirty="0" smtClean="0">
-                <a:solidFill>
-                  <a:srgbClr val="FF0000"/>
-                </a:solidFill>
-              </a:rPr>
-              <a:t> </a:t>
-            </a:r>
-            <a:r>
-              <a:rPr lang="en-US" dirty="0" err="1" smtClean="0">
-                <a:solidFill>
-                  <a:srgbClr val="FF0000"/>
-                </a:solidFill>
-              </a:rPr>
+              <a:rPr lang="en-US" dirty="0" smtClean="0"/>
+              <a:t> </a:t>
+            </a:r>
+            <a:r>
+              <a:rPr lang="en-US" err="1" smtClean="0"/>
               <a:t>nào</a:t>
             </a:r>
             <a:r>
-              <a:rPr lang="en-US" dirty="0" smtClean="0">
-                <a:solidFill>
-                  <a:srgbClr val="FF0000"/>
-                </a:solidFill>
-              </a:rPr>
+              <a:rPr lang="en-US" smtClean="0"/>
               <a:t>?</a:t>
             </a:r>
-            <a:endParaRPr lang="en-US" dirty="0">
-              <a:solidFill>
-                <a:srgbClr val="FF0000"/>
-              </a:solidFill>
-            </a:endParaRPr>
-          </a:p>
-          <a:p>
-            <a:endParaRPr lang="en-US" dirty="0" smtClean="0"/>
-          </a:p>
-          <a:p>
-            <a:pPr lvl="1"/>
-            <a:endParaRPr lang="en-US" dirty="0"/>
-          </a:p>
-          <a:p>
-            <a:pPr lvl="1"/>
-            <a:endParaRPr lang="en-US" dirty="0" smtClean="0"/>
-          </a:p>
-          <a:p>
-            <a:pPr lvl="1"/>
             <a:endParaRPr lang="en-US" dirty="0"/>
           </a:p>
         </p:txBody>
@@ -13101,11 +12570,7 @@
             </a:r>
             <a:r>
               <a:rPr lang="en-US" smtClean="0"/>
-              <a:t>: </a:t>
-            </a:r>
-            <a:r>
-              <a:rPr lang="en-US" smtClean="0"/>
-              <a:t>None</a:t>
+              <a:t>: None</a:t>
             </a:r>
             <a:endParaRPr lang="en-US" dirty="0" smtClean="0"/>
           </a:p>
@@ -14963,11 +14428,7 @@
             </a:r>
             <a:r>
               <a:rPr lang="en-US" smtClean="0"/>
-              <a:t> </a:t>
-            </a:r>
-            <a:r>
-              <a:rPr lang="en-US" smtClean="0"/>
-              <a:t>đổi (3)</a:t>
+              <a:t> đổi (3)</a:t>
             </a:r>
             <a:endParaRPr lang="en-US" dirty="0"/>
           </a:p>
